--- a/datalog.pptx
+++ b/datalog.pptx
@@ -5,7 +5,7 @@
     <p:sldMasterId id="2147483648" r:id="rId1"/>
   </p:sldMasterIdLst>
   <p:notesMasterIdLst>
-    <p:notesMasterId r:id="rId8"/>
+    <p:notesMasterId r:id="rId10"/>
   </p:notesMasterIdLst>
   <p:sldIdLst>
     <p:sldId id="256" r:id="rId2"/>
@@ -14,6 +14,8 @@
     <p:sldId id="259" r:id="rId5"/>
     <p:sldId id="260" r:id="rId6"/>
     <p:sldId id="261" r:id="rId7"/>
+    <p:sldId id="263" r:id="rId8"/>
+    <p:sldId id="262" r:id="rId9"/>
   </p:sldIdLst>
   <p:sldSz cx="12192000" cy="6858000"/>
   <p:notesSz cx="6858000" cy="9144000"/>
@@ -202,7 +204,7 @@
           <a:p>
             <a:fld id="{4CEC2813-3C06-E04F-8289-467F0898393F}" type="datetimeFigureOut">
               <a:rPr lang="en-US" smtClean="0"/>
-              <a:t>6/8/23</a:t>
+              <a:t>7/3/23</a:t>
             </a:fld>
             <a:endParaRPr lang="en-US"/>
           </a:p>
@@ -1105,6 +1107,90 @@
 </p:notes>
 </file>
 
+<file path=ppt/notesSlides/notesSlide5.xml><?xml version="1.0" encoding="utf-8"?>
+<p:notes xmlns:a="http://schemas.openxmlformats.org/drawingml/2006/main" xmlns:r="http://schemas.openxmlformats.org/officeDocument/2006/relationships" xmlns:p="http://schemas.openxmlformats.org/presentationml/2006/main">
+  <p:cSld>
+    <p:spTree>
+      <p:nvGrpSpPr>
+        <p:cNvPr id="1" name=""/>
+        <p:cNvGrpSpPr/>
+        <p:nvPr/>
+      </p:nvGrpSpPr>
+      <p:grpSpPr>
+        <a:xfrm>
+          <a:off x="0" y="0"/>
+          <a:ext cx="0" cy="0"/>
+          <a:chOff x="0" y="0"/>
+          <a:chExt cx="0" cy="0"/>
+        </a:xfrm>
+      </p:grpSpPr>
+      <p:sp>
+        <p:nvSpPr>
+          <p:cNvPr id="2" name="Slide Image Placeholder 1"/>
+          <p:cNvSpPr>
+            <a:spLocks noGrp="1" noRot="1" noChangeAspect="1"/>
+          </p:cNvSpPr>
+          <p:nvPr>
+            <p:ph type="sldImg"/>
+          </p:nvPr>
+        </p:nvSpPr>
+        <p:spPr/>
+      </p:sp>
+      <p:sp>
+        <p:nvSpPr>
+          <p:cNvPr id="3" name="Notes Placeholder 2"/>
+          <p:cNvSpPr>
+            <a:spLocks noGrp="1"/>
+          </p:cNvSpPr>
+          <p:nvPr>
+            <p:ph type="body" idx="1"/>
+          </p:nvPr>
+        </p:nvSpPr>
+        <p:spPr/>
+        <p:txBody>
+          <a:bodyPr/>
+          <a:lstStyle/>
+          <a:p>
+            <a:endParaRPr lang="en-US" dirty="0"/>
+          </a:p>
+        </p:txBody>
+      </p:sp>
+      <p:sp>
+        <p:nvSpPr>
+          <p:cNvPr id="4" name="Slide Number Placeholder 3"/>
+          <p:cNvSpPr>
+            <a:spLocks noGrp="1"/>
+          </p:cNvSpPr>
+          <p:nvPr>
+            <p:ph type="sldNum" sz="quarter" idx="5"/>
+          </p:nvPr>
+        </p:nvSpPr>
+        <p:spPr/>
+        <p:txBody>
+          <a:bodyPr/>
+          <a:lstStyle/>
+          <a:p>
+            <a:fld id="{BE174A23-4DF5-6C4A-A18B-22FCD67E9A66}" type="slidenum">
+              <a:rPr lang="en-US" smtClean="0"/>
+              <a:t>8</a:t>
+            </a:fld>
+            <a:endParaRPr lang="en-US"/>
+          </a:p>
+        </p:txBody>
+      </p:sp>
+    </p:spTree>
+    <p:extLst>
+      <p:ext uri="{BB962C8B-B14F-4D97-AF65-F5344CB8AC3E}">
+        <p14:creationId xmlns:p14="http://schemas.microsoft.com/office/powerpoint/2010/main" val="3298399179"/>
+      </p:ext>
+    </p:extLst>
+  </p:cSld>
+  <p:clrMapOvr>
+    <a:masterClrMapping/>
+  </p:clrMapOvr>
+</p:notes>
+</file>
+
 <file path=ppt/slideLayouts/slideLayout1.xml><?xml version="1.0" encoding="utf-8"?>
 <p:sldLayout xmlns:a="http://schemas.openxmlformats.org/drawingml/2006/main" xmlns:r="http://schemas.openxmlformats.org/officeDocument/2006/relationships" xmlns:p="http://schemas.openxmlformats.org/presentationml/2006/main" type="title" preserve="1">
   <p:cSld name="Title Slide">
@@ -1254,7 +1340,7 @@
           <a:p>
             <a:fld id="{2556C97C-A7F2-8648-8880-F5CE0EC4C400}" type="datetimeFigureOut">
               <a:rPr lang="en-US" smtClean="0"/>
-              <a:t>6/8/23</a:t>
+              <a:t>7/3/23</a:t>
             </a:fld>
             <a:endParaRPr lang="en-US"/>
           </a:p>
@@ -1454,7 +1540,7 @@
           <a:p>
             <a:fld id="{2556C97C-A7F2-8648-8880-F5CE0EC4C400}" type="datetimeFigureOut">
               <a:rPr lang="en-US" smtClean="0"/>
-              <a:t>6/8/23</a:t>
+              <a:t>7/3/23</a:t>
             </a:fld>
             <a:endParaRPr lang="en-US"/>
           </a:p>
@@ -1664,7 +1750,7 @@
           <a:p>
             <a:fld id="{2556C97C-A7F2-8648-8880-F5CE0EC4C400}" type="datetimeFigureOut">
               <a:rPr lang="en-US" smtClean="0"/>
-              <a:t>6/8/23</a:t>
+              <a:t>7/3/23</a:t>
             </a:fld>
             <a:endParaRPr lang="en-US"/>
           </a:p>
@@ -1864,7 +1950,7 @@
           <a:p>
             <a:fld id="{2556C97C-A7F2-8648-8880-F5CE0EC4C400}" type="datetimeFigureOut">
               <a:rPr lang="en-US" smtClean="0"/>
-              <a:t>6/8/23</a:t>
+              <a:t>7/3/23</a:t>
             </a:fld>
             <a:endParaRPr lang="en-US"/>
           </a:p>
@@ -2140,7 +2226,7 @@
           <a:p>
             <a:fld id="{2556C97C-A7F2-8648-8880-F5CE0EC4C400}" type="datetimeFigureOut">
               <a:rPr lang="en-US" smtClean="0"/>
-              <a:t>6/8/23</a:t>
+              <a:t>7/3/23</a:t>
             </a:fld>
             <a:endParaRPr lang="en-US"/>
           </a:p>
@@ -2408,7 +2494,7 @@
           <a:p>
             <a:fld id="{2556C97C-A7F2-8648-8880-F5CE0EC4C400}" type="datetimeFigureOut">
               <a:rPr lang="en-US" smtClean="0"/>
-              <a:t>6/8/23</a:t>
+              <a:t>7/3/23</a:t>
             </a:fld>
             <a:endParaRPr lang="en-US"/>
           </a:p>
@@ -2823,7 +2909,7 @@
           <a:p>
             <a:fld id="{2556C97C-A7F2-8648-8880-F5CE0EC4C400}" type="datetimeFigureOut">
               <a:rPr lang="en-US" smtClean="0"/>
-              <a:t>6/8/23</a:t>
+              <a:t>7/3/23</a:t>
             </a:fld>
             <a:endParaRPr lang="en-US"/>
           </a:p>
@@ -2965,7 +3051,7 @@
           <a:p>
             <a:fld id="{2556C97C-A7F2-8648-8880-F5CE0EC4C400}" type="datetimeFigureOut">
               <a:rPr lang="en-US" smtClean="0"/>
-              <a:t>6/8/23</a:t>
+              <a:t>7/3/23</a:t>
             </a:fld>
             <a:endParaRPr lang="en-US"/>
           </a:p>
@@ -3078,7 +3164,7 @@
           <a:p>
             <a:fld id="{2556C97C-A7F2-8648-8880-F5CE0EC4C400}" type="datetimeFigureOut">
               <a:rPr lang="en-US" smtClean="0"/>
-              <a:t>6/8/23</a:t>
+              <a:t>7/3/23</a:t>
             </a:fld>
             <a:endParaRPr lang="en-US"/>
           </a:p>
@@ -3391,7 +3477,7 @@
           <a:p>
             <a:fld id="{2556C97C-A7F2-8648-8880-F5CE0EC4C400}" type="datetimeFigureOut">
               <a:rPr lang="en-US" smtClean="0"/>
-              <a:t>6/8/23</a:t>
+              <a:t>7/3/23</a:t>
             </a:fld>
             <a:endParaRPr lang="en-US"/>
           </a:p>
@@ -3680,7 +3766,7 @@
           <a:p>
             <a:fld id="{2556C97C-A7F2-8648-8880-F5CE0EC4C400}" type="datetimeFigureOut">
               <a:rPr lang="en-US" smtClean="0"/>
-              <a:t>6/8/23</a:t>
+              <a:t>7/3/23</a:t>
             </a:fld>
             <a:endParaRPr lang="en-US"/>
           </a:p>
@@ -3923,7 +4009,7 @@
           <a:p>
             <a:fld id="{2556C97C-A7F2-8648-8880-F5CE0EC4C400}" type="datetimeFigureOut">
               <a:rPr lang="en-US" smtClean="0"/>
-              <a:t>6/8/23</a:t>
+              <a:t>7/3/23</a:t>
             </a:fld>
             <a:endParaRPr lang="en-US"/>
           </a:p>
@@ -5521,6 +5607,1086 @@
     <p:extLst>
       <p:ext uri="{BB962C8B-B14F-4D97-AF65-F5344CB8AC3E}">
         <p14:creationId xmlns:p14="http://schemas.microsoft.com/office/powerpoint/2010/main" val="3886856980"/>
+      </p:ext>
+    </p:extLst>
+  </p:cSld>
+  <p:clrMapOvr>
+    <a:masterClrMapping/>
+  </p:clrMapOvr>
+</p:sld>
+</file>
+
+<file path=ppt/slides/slide7.xml><?xml version="1.0" encoding="utf-8"?>
+<p:sld xmlns:a="http://schemas.openxmlformats.org/drawingml/2006/main" xmlns:r="http://schemas.openxmlformats.org/officeDocument/2006/relationships" xmlns:p="http://schemas.openxmlformats.org/presentationml/2006/main">
+  <p:cSld>
+    <p:spTree>
+      <p:nvGrpSpPr>
+        <p:cNvPr id="1" name=""/>
+        <p:cNvGrpSpPr/>
+        <p:nvPr/>
+      </p:nvGrpSpPr>
+      <p:grpSpPr>
+        <a:xfrm>
+          <a:off x="0" y="0"/>
+          <a:ext cx="0" cy="0"/>
+          <a:chOff x="0" y="0"/>
+          <a:chExt cx="0" cy="0"/>
+        </a:xfrm>
+      </p:grpSpPr>
+      <p:sp>
+        <p:nvSpPr>
+          <p:cNvPr id="3" name="Content Placeholder 2">
+            <a:extLst>
+              <a:ext uri="{FF2B5EF4-FFF2-40B4-BE49-F238E27FC236}">
+                <a16:creationId xmlns:a16="http://schemas.microsoft.com/office/drawing/2014/main" id="{7E386445-183C-F671-81AF-76430C1FC69B}"/>
+              </a:ext>
+            </a:extLst>
+          </p:cNvPr>
+          <p:cNvSpPr>
+            <a:spLocks noGrp="1"/>
+          </p:cNvSpPr>
+          <p:nvPr>
+            <p:ph idx="1"/>
+          </p:nvPr>
+        </p:nvSpPr>
+        <p:spPr>
+          <a:xfrm>
+            <a:off x="838200" y="381000"/>
+            <a:ext cx="10515600" cy="5795963"/>
+          </a:xfrm>
+        </p:spPr>
+        <p:txBody>
+          <a:bodyPr/>
+          <a:lstStyle/>
+          <a:p>
+            <a:r>
+              <a:rPr lang="en-SG" dirty="0">
+                <a:solidFill>
+                  <a:srgbClr val="C678DD"/>
+                </a:solidFill>
+                <a:effectLst/>
+              </a:rPr>
+              <a:t>char</a:t>
+            </a:r>
+            <a:r>
+              <a:rPr lang="en-SG" dirty="0">
+                <a:effectLst/>
+              </a:rPr>
+              <a:t>* </a:t>
+            </a:r>
+            <a:r>
+              <a:rPr lang="en-SG" dirty="0">
+                <a:solidFill>
+                  <a:srgbClr val="61AEEE"/>
+                </a:solidFill>
+                <a:effectLst/>
+              </a:rPr>
+              <a:t>strcpy</a:t>
+            </a:r>
+            <a:r>
+              <a:rPr lang="en-SG" dirty="0">
+                <a:effectLst/>
+              </a:rPr>
+              <a:t>(</a:t>
+            </a:r>
+            <a:r>
+              <a:rPr lang="en-SG" dirty="0">
+                <a:solidFill>
+                  <a:srgbClr val="C678DD"/>
+                </a:solidFill>
+                <a:effectLst/>
+              </a:rPr>
+              <a:t>char</a:t>
+            </a:r>
+            <a:r>
+              <a:rPr lang="en-SG" dirty="0">
+                <a:effectLst/>
+              </a:rPr>
+              <a:t>* destination, </a:t>
+            </a:r>
+            <a:r>
+              <a:rPr lang="en-SG" dirty="0">
+                <a:solidFill>
+                  <a:srgbClr val="C678DD"/>
+                </a:solidFill>
+                <a:effectLst/>
+              </a:rPr>
+              <a:t>const</a:t>
+            </a:r>
+            <a:r>
+              <a:rPr lang="en-SG" dirty="0">
+                <a:effectLst/>
+              </a:rPr>
+              <a:t> </a:t>
+            </a:r>
+            <a:r>
+              <a:rPr lang="en-SG" dirty="0">
+                <a:solidFill>
+                  <a:srgbClr val="C678DD"/>
+                </a:solidFill>
+                <a:effectLst/>
+              </a:rPr>
+              <a:t>char</a:t>
+            </a:r>
+            <a:r>
+              <a:rPr lang="en-SG" dirty="0">
+                <a:effectLst/>
+              </a:rPr>
+              <a:t>* source)</a:t>
+            </a:r>
+            <a:r>
+              <a:rPr lang="en-SG" dirty="0"/>
+              <a:t>;</a:t>
+            </a:r>
+            <a:r>
+              <a:rPr lang="zh-CN" altLang="en-US" dirty="0"/>
+              <a:t> </a:t>
+            </a:r>
+            <a:endParaRPr lang="en-SG" altLang="zh-CN" dirty="0"/>
+          </a:p>
+          <a:p>
+            <a:endParaRPr lang="en-SG" dirty="0"/>
+          </a:p>
+          <a:p>
+            <a:pPr marL="0" indent="0">
+              <a:buNone/>
+            </a:pPr>
+            <a:r>
+              <a:rPr lang="en-SG" sz="2400" b="1" i="0" u="none" strike="noStrike" dirty="0">
+                <a:effectLst/>
+                <a:latin typeface="euclid_circular_a"/>
+              </a:rPr>
+              <a:t>Note:</a:t>
+            </a:r>
+            <a:r>
+              <a:rPr lang="en-SG" sz="2400" b="0" i="0" u="none" strike="noStrike" dirty="0">
+                <a:effectLst/>
+                <a:latin typeface="euclid_circular_a"/>
+              </a:rPr>
+              <a:t> When you use </a:t>
+            </a:r>
+            <a:r>
+              <a:rPr lang="en-SG" sz="2400" dirty="0"/>
+              <a:t>strcpy()</a:t>
+            </a:r>
+            <a:r>
+              <a:rPr lang="en-SG" sz="2400" b="0" i="0" u="none" strike="noStrike" dirty="0">
+                <a:effectLst/>
+                <a:latin typeface="euclid_circular_a"/>
+              </a:rPr>
+              <a:t>, the size of the destination string should be large enough to store the copied string. Otherwise, it may result in </a:t>
+            </a:r>
+            <a:r>
+              <a:rPr lang="en-SG" sz="2400" b="1" i="0" u="none" strike="noStrike" dirty="0">
+                <a:effectLst/>
+                <a:latin typeface="euclid_circular_a"/>
+              </a:rPr>
+              <a:t>undefined behavior</a:t>
+            </a:r>
+            <a:r>
+              <a:rPr lang="en-SG" sz="2400" b="0" i="0" u="none" strike="noStrike" dirty="0">
+                <a:effectLst/>
+                <a:latin typeface="euclid_circular_a"/>
+              </a:rPr>
+              <a:t>.</a:t>
+            </a:r>
+          </a:p>
+          <a:p>
+            <a:pPr marL="0" indent="0">
+              <a:buNone/>
+            </a:pPr>
+            <a:endParaRPr lang="en-SG" sz="2400">
+              <a:latin typeface="euclid_circular_a"/>
+            </a:endParaRPr>
+          </a:p>
+          <a:p>
+            <a:pPr marL="0" indent="0">
+              <a:buNone/>
+            </a:pPr>
+            <a:endParaRPr lang="en-US" sz="2400" dirty="0"/>
+          </a:p>
+        </p:txBody>
+      </p:sp>
+    </p:spTree>
+    <p:extLst>
+      <p:ext uri="{BB962C8B-B14F-4D97-AF65-F5344CB8AC3E}">
+        <p14:creationId xmlns:p14="http://schemas.microsoft.com/office/powerpoint/2010/main" val="2430944778"/>
+      </p:ext>
+    </p:extLst>
+  </p:cSld>
+  <p:clrMapOvr>
+    <a:masterClrMapping/>
+  </p:clrMapOvr>
+</p:sld>
+</file>
+
+<file path=ppt/slides/slide8.xml><?xml version="1.0" encoding="utf-8"?>
+<p:sld xmlns:a="http://schemas.openxmlformats.org/drawingml/2006/main" xmlns:r="http://schemas.openxmlformats.org/officeDocument/2006/relationships" xmlns:p="http://schemas.openxmlformats.org/presentationml/2006/main">
+  <p:cSld>
+    <p:spTree>
+      <p:nvGrpSpPr>
+        <p:cNvPr id="1" name=""/>
+        <p:cNvGrpSpPr/>
+        <p:nvPr/>
+      </p:nvGrpSpPr>
+      <p:grpSpPr>
+        <a:xfrm>
+          <a:off x="0" y="0"/>
+          <a:ext cx="0" cy="0"/>
+          <a:chOff x="0" y="0"/>
+          <a:chExt cx="0" cy="0"/>
+        </a:xfrm>
+      </p:grpSpPr>
+      <p:sp>
+        <p:nvSpPr>
+          <p:cNvPr id="2" name="Title 1">
+            <a:extLst>
+              <a:ext uri="{FF2B5EF4-FFF2-40B4-BE49-F238E27FC236}">
+                <a16:creationId xmlns:a16="http://schemas.microsoft.com/office/drawing/2014/main" id="{076A66CA-5236-F46C-032C-024F78CFE49F}"/>
+              </a:ext>
+            </a:extLst>
+          </p:cNvPr>
+          <p:cNvSpPr>
+            <a:spLocks noGrp="1"/>
+          </p:cNvSpPr>
+          <p:nvPr>
+            <p:ph type="title"/>
+          </p:nvPr>
+        </p:nvSpPr>
+        <p:spPr/>
+        <p:txBody>
+          <a:bodyPr/>
+          <a:lstStyle/>
+          <a:p>
+            <a:r>
+              <a:rPr lang="en-US" b="1" dirty="0"/>
+              <a:t>S</a:t>
+            </a:r>
+            <a:r>
+              <a:rPr lang="en-US" altLang="zh-CN" b="1" dirty="0"/>
+              <a:t>ummary</a:t>
+            </a:r>
+            <a:r>
+              <a:rPr lang="zh-CN" altLang="en-US" b="1" dirty="0"/>
+              <a:t> </a:t>
+            </a:r>
+            <a:endParaRPr lang="en-US" b="1" dirty="0"/>
+          </a:p>
+        </p:txBody>
+      </p:sp>
+      <p:sp>
+        <p:nvSpPr>
+          <p:cNvPr id="3" name="Content Placeholder 2">
+            <a:extLst>
+              <a:ext uri="{FF2B5EF4-FFF2-40B4-BE49-F238E27FC236}">
+                <a16:creationId xmlns:a16="http://schemas.microsoft.com/office/drawing/2014/main" id="{120C5BFB-2AAD-B6FA-1306-44AA3EB2728D}"/>
+              </a:ext>
+            </a:extLst>
+          </p:cNvPr>
+          <p:cNvSpPr>
+            <a:spLocks noGrp="1"/>
+          </p:cNvSpPr>
+          <p:nvPr>
+            <p:ph idx="1"/>
+          </p:nvPr>
+        </p:nvSpPr>
+        <p:spPr>
+          <a:xfrm>
+            <a:off x="838200" y="1508124"/>
+            <a:ext cx="11353800" cy="5083175"/>
+          </a:xfrm>
+        </p:spPr>
+        <p:txBody>
+          <a:bodyPr>
+            <a:normAutofit fontScale="92500"/>
+          </a:bodyPr>
+          <a:lstStyle/>
+          <a:p>
+            <a:pPr>
+              <a:lnSpc>
+                <a:spcPct val="150000"/>
+              </a:lnSpc>
+            </a:pPr>
+            <a:r>
+              <a:rPr lang="en-US" sz="2400" dirty="0"/>
+              <a:t>F</a:t>
+            </a:r>
+            <a:r>
+              <a:rPr lang="en-US" altLang="zh-CN" sz="2400" dirty="0"/>
+              <a:t>ollow</a:t>
+            </a:r>
+            <a:r>
+              <a:rPr lang="zh-CN" altLang="en-US" sz="2400" dirty="0"/>
+              <a:t> </a:t>
+            </a:r>
+            <a:r>
+              <a:rPr lang="en-US" altLang="zh-CN" sz="2400" dirty="0"/>
+              <a:t>up</a:t>
+            </a:r>
+            <a:r>
+              <a:rPr lang="zh-CN" altLang="en-US" sz="2400" dirty="0"/>
+              <a:t> </a:t>
+            </a:r>
+            <a:r>
+              <a:rPr lang="en-US" altLang="zh-CN" sz="2400" dirty="0"/>
+              <a:t>work</a:t>
+            </a:r>
+            <a:r>
+              <a:rPr lang="zh-CN" altLang="en-US" sz="2400" dirty="0"/>
+              <a:t> </a:t>
+            </a:r>
+            <a:r>
+              <a:rPr lang="en-US" altLang="zh-CN" sz="2400" dirty="0"/>
+              <a:t>for</a:t>
+            </a:r>
+            <a:r>
+              <a:rPr lang="zh-CN" altLang="en-US" sz="2400" dirty="0"/>
+              <a:t> </a:t>
+            </a:r>
+            <a:r>
+              <a:rPr lang="en-US" altLang="zh-CN" sz="2400" dirty="0"/>
+              <a:t>the</a:t>
+            </a:r>
+            <a:r>
+              <a:rPr lang="zh-CN" altLang="en-US" sz="2400" dirty="0"/>
+              <a:t> </a:t>
+            </a:r>
+            <a:r>
+              <a:rPr lang="en-US" altLang="zh-CN" sz="2400" dirty="0"/>
+              <a:t>Datalog-based</a:t>
+            </a:r>
+            <a:r>
+              <a:rPr lang="zh-CN" altLang="en-US" sz="2400" dirty="0"/>
+              <a:t> </a:t>
+            </a:r>
+            <a:r>
+              <a:rPr lang="en-US" altLang="zh-CN" sz="2400" dirty="0"/>
+              <a:t>repair,</a:t>
+            </a:r>
+            <a:r>
+              <a:rPr lang="zh-CN" altLang="en-US" sz="2400" dirty="0"/>
+              <a:t> </a:t>
+            </a:r>
+            <a:r>
+              <a:rPr lang="en-US" altLang="zh-CN" sz="2400" dirty="0"/>
+              <a:t>Liu</a:t>
+            </a:r>
+            <a:r>
+              <a:rPr lang="zh-CN" altLang="en-US" sz="2400" dirty="0"/>
+              <a:t> </a:t>
+            </a:r>
+            <a:r>
+              <a:rPr lang="en-US" altLang="zh-CN" sz="2400" dirty="0"/>
+              <a:t>Yu,</a:t>
+            </a:r>
+            <a:r>
+              <a:rPr lang="zh-CN" altLang="en-US" sz="2400" dirty="0"/>
+              <a:t> </a:t>
+            </a:r>
+            <a:r>
+              <a:rPr lang="en-US" altLang="zh-CN" sz="2400" dirty="0"/>
+              <a:t>Sergey.</a:t>
+            </a:r>
+            <a:r>
+              <a:rPr lang="zh-CN" altLang="en-US" sz="2400" dirty="0"/>
+              <a:t> </a:t>
+            </a:r>
+            <a:endParaRPr lang="en-SG" altLang="zh-CN" sz="2400" dirty="0"/>
+          </a:p>
+          <a:p>
+            <a:pPr>
+              <a:lnSpc>
+                <a:spcPct val="150000"/>
+              </a:lnSpc>
+            </a:pPr>
+            <a:r>
+              <a:rPr lang="en-US" sz="2400" dirty="0"/>
+              <a:t>C</a:t>
+            </a:r>
+            <a:r>
+              <a:rPr lang="en-US" altLang="zh-CN" sz="2400" dirty="0"/>
+              <a:t>urrently:</a:t>
+            </a:r>
+            <a:r>
+              <a:rPr lang="zh-CN" altLang="en-US" sz="2400" dirty="0"/>
+              <a:t> </a:t>
+            </a:r>
+            <a:r>
+              <a:rPr lang="en-US" altLang="zh-CN" sz="2400" dirty="0"/>
+              <a:t>for</a:t>
+            </a:r>
+            <a:r>
+              <a:rPr lang="zh-CN" altLang="en-US" sz="2400" dirty="0"/>
+              <a:t> </a:t>
+            </a:r>
+            <a:r>
+              <a:rPr lang="en-US" altLang="zh-CN" sz="2400" dirty="0"/>
+              <a:t>NPE</a:t>
+            </a:r>
+            <a:r>
+              <a:rPr lang="zh-CN" altLang="en-US" sz="2400" dirty="0"/>
+              <a:t> </a:t>
+            </a:r>
+            <a:r>
+              <a:rPr lang="en-US" altLang="zh-CN" sz="2400" dirty="0"/>
+              <a:t>(in</a:t>
+            </a:r>
+            <a:r>
+              <a:rPr lang="zh-CN" altLang="en-US" sz="2400" dirty="0"/>
+              <a:t> </a:t>
+            </a:r>
+            <a:r>
+              <a:rPr lang="en-US" altLang="zh-CN" sz="2400" dirty="0"/>
+              <a:t>Java)</a:t>
+            </a:r>
+            <a:r>
+              <a:rPr lang="zh-CN" altLang="en-US" sz="2400" dirty="0"/>
+              <a:t> </a:t>
+            </a:r>
+            <a:r>
+              <a:rPr lang="en-US" altLang="zh-CN" sz="2400" dirty="0"/>
+              <a:t>and</a:t>
+            </a:r>
+            <a:r>
+              <a:rPr lang="zh-CN" altLang="en-US" sz="2400" dirty="0"/>
+              <a:t> </a:t>
+            </a:r>
+            <a:r>
+              <a:rPr lang="en-US" altLang="zh-CN" sz="2400" dirty="0"/>
+              <a:t>data</a:t>
+            </a:r>
+            <a:r>
+              <a:rPr lang="zh-CN" altLang="en-US" sz="2400" dirty="0"/>
+              <a:t> </a:t>
+            </a:r>
+            <a:r>
+              <a:rPr lang="en-US" altLang="zh-CN" sz="2400" dirty="0"/>
+              <a:t>leak</a:t>
+            </a:r>
+            <a:r>
+              <a:rPr lang="zh-CN" altLang="en-US" sz="2400" dirty="0"/>
+              <a:t> </a:t>
+            </a:r>
+            <a:r>
+              <a:rPr lang="en-US" altLang="zh-CN" sz="2400" dirty="0"/>
+              <a:t>(In</a:t>
+            </a:r>
+            <a:r>
+              <a:rPr lang="zh-CN" altLang="en-US" sz="2400" dirty="0"/>
+              <a:t> </a:t>
+            </a:r>
+            <a:r>
+              <a:rPr lang="en-US" altLang="zh-CN" sz="2400" dirty="0"/>
+              <a:t>python),</a:t>
+            </a:r>
+            <a:r>
+              <a:rPr lang="zh-CN" altLang="en-US" sz="2400" dirty="0"/>
+              <a:t> </a:t>
+            </a:r>
+            <a:r>
+              <a:rPr lang="en-US" altLang="zh-CN" sz="2400" dirty="0"/>
+              <a:t>the</a:t>
+            </a:r>
+            <a:r>
+              <a:rPr lang="zh-CN" altLang="en-US" sz="2400" dirty="0"/>
+              <a:t> </a:t>
+            </a:r>
+            <a:r>
+              <a:rPr lang="en-US" altLang="zh-CN" sz="2400" dirty="0"/>
+              <a:t>rules</a:t>
+            </a:r>
+            <a:r>
+              <a:rPr lang="zh-CN" altLang="en-US" sz="2400" dirty="0"/>
+              <a:t> </a:t>
+            </a:r>
+            <a:r>
+              <a:rPr lang="en-US" altLang="zh-CN" sz="2400" dirty="0"/>
+              <a:t>are</a:t>
+            </a:r>
+            <a:r>
+              <a:rPr lang="zh-CN" altLang="en-US" sz="2400" dirty="0"/>
+              <a:t> </a:t>
+            </a:r>
+            <a:r>
+              <a:rPr lang="en-US" altLang="zh-CN" sz="2400" dirty="0"/>
+              <a:t>negation</a:t>
+            </a:r>
+            <a:r>
+              <a:rPr lang="zh-CN" altLang="en-US" sz="2400" dirty="0"/>
+              <a:t> </a:t>
+            </a:r>
+            <a:r>
+              <a:rPr lang="en-US" altLang="zh-CN" sz="2400" dirty="0"/>
+              <a:t>free.</a:t>
+            </a:r>
+            <a:r>
+              <a:rPr lang="zh-CN" altLang="en-US" sz="2400" dirty="0"/>
+              <a:t> </a:t>
+            </a:r>
+            <a:endParaRPr lang="en-US" altLang="zh-CN" sz="2400" dirty="0"/>
+          </a:p>
+          <a:p>
+            <a:pPr>
+              <a:lnSpc>
+                <a:spcPct val="150000"/>
+              </a:lnSpc>
+            </a:pPr>
+            <a:r>
+              <a:rPr lang="en-SG" altLang="zh-CN" sz="2400" dirty="0"/>
+              <a:t>F</a:t>
+            </a:r>
+            <a:r>
+              <a:rPr lang="en-US" altLang="zh-CN" sz="2400" dirty="0"/>
+              <a:t>inal</a:t>
+            </a:r>
+            <a:r>
+              <a:rPr lang="zh-CN" altLang="en-US" sz="2400" dirty="0"/>
+              <a:t> </a:t>
+            </a:r>
+            <a:r>
+              <a:rPr lang="en-US" altLang="zh-CN" sz="2400" dirty="0"/>
+              <a:t>Goal:</a:t>
+            </a:r>
+            <a:r>
+              <a:rPr lang="zh-CN" altLang="en-US" sz="2400" dirty="0"/>
+              <a:t> </a:t>
+            </a:r>
+            <a:r>
+              <a:rPr lang="en-US" altLang="zh-CN" sz="2400" dirty="0"/>
+              <a:t>targeting</a:t>
+            </a:r>
+            <a:r>
+              <a:rPr lang="zh-CN" altLang="en-US" sz="2400" dirty="0"/>
+              <a:t> </a:t>
+            </a:r>
+            <a:r>
+              <a:rPr lang="en-US" altLang="zh-CN" sz="2400" dirty="0"/>
+              <a:t>on</a:t>
+            </a:r>
+            <a:r>
+              <a:rPr lang="zh-CN" altLang="en-US" sz="2400" dirty="0"/>
+              <a:t> </a:t>
+            </a:r>
+            <a:r>
+              <a:rPr lang="en-US" altLang="zh-CN" sz="2400" dirty="0"/>
+              <a:t>CTL</a:t>
+            </a:r>
+            <a:r>
+              <a:rPr lang="zh-CN" altLang="en-US" sz="2400" dirty="0"/>
+              <a:t> </a:t>
+            </a:r>
+            <a:r>
+              <a:rPr lang="en-US" altLang="zh-CN" sz="2400" dirty="0"/>
+              <a:t>bugs,</a:t>
+            </a:r>
+            <a:r>
+              <a:rPr lang="zh-CN" altLang="en-US" sz="2400" dirty="0"/>
+              <a:t> </a:t>
+            </a:r>
+            <a:r>
+              <a:rPr lang="en-US" altLang="zh-CN" sz="2400" dirty="0"/>
+              <a:t>which</a:t>
+            </a:r>
+            <a:r>
+              <a:rPr lang="zh-CN" altLang="en-US" sz="2400" dirty="0"/>
+              <a:t> </a:t>
+            </a:r>
+            <a:r>
+              <a:rPr lang="en-US" altLang="zh-CN" sz="2400" dirty="0"/>
+              <a:t>can</a:t>
+            </a:r>
+            <a:r>
+              <a:rPr lang="zh-CN" altLang="en-US" sz="2400" dirty="0"/>
+              <a:t> </a:t>
+            </a:r>
+            <a:r>
+              <a:rPr lang="en-US" altLang="zh-CN" sz="2400" dirty="0"/>
+              <a:t>be</a:t>
+            </a:r>
+            <a:r>
+              <a:rPr lang="zh-CN" altLang="en-US" sz="2400" dirty="0"/>
+              <a:t> </a:t>
+            </a:r>
+            <a:r>
+              <a:rPr lang="en-US" altLang="zh-CN" sz="2400" dirty="0"/>
+              <a:t>described</a:t>
+            </a:r>
+            <a:r>
+              <a:rPr lang="zh-CN" altLang="en-US" sz="2400" dirty="0"/>
+              <a:t> </a:t>
+            </a:r>
+            <a:r>
+              <a:rPr lang="en-US" altLang="zh-CN" sz="2400" dirty="0"/>
+              <a:t>using</a:t>
+            </a:r>
+            <a:r>
+              <a:rPr lang="zh-CN" altLang="en-US" sz="2400" dirty="0"/>
+              <a:t> </a:t>
+            </a:r>
+            <a:r>
+              <a:rPr lang="en-US" altLang="zh-CN" sz="2400" dirty="0"/>
+              <a:t>stratified</a:t>
+            </a:r>
+            <a:r>
+              <a:rPr lang="zh-CN" altLang="en-US" sz="2400" dirty="0"/>
+              <a:t> </a:t>
+            </a:r>
+            <a:r>
+              <a:rPr lang="en-US" altLang="zh-CN" sz="2400" dirty="0"/>
+              <a:t>negation,</a:t>
+            </a:r>
+            <a:r>
+              <a:rPr lang="zh-CN" altLang="en-US" sz="2400" dirty="0"/>
+              <a:t> </a:t>
+            </a:r>
+            <a:r>
+              <a:rPr lang="en-US" altLang="zh-CN" sz="2400" dirty="0"/>
+              <a:t>targeting</a:t>
+            </a:r>
+            <a:r>
+              <a:rPr lang="zh-CN" altLang="en-US" sz="2400" dirty="0"/>
+              <a:t> </a:t>
+            </a:r>
+            <a:r>
+              <a:rPr lang="en-US" altLang="zh-CN" sz="2400" dirty="0"/>
+              <a:t>temporal</a:t>
+            </a:r>
+            <a:r>
+              <a:rPr lang="zh-CN" altLang="en-US" sz="2400" dirty="0"/>
+              <a:t> </a:t>
+            </a:r>
+            <a:r>
+              <a:rPr lang="en-US" altLang="zh-CN" sz="2400" dirty="0"/>
+              <a:t>bugs</a:t>
+            </a:r>
+            <a:r>
+              <a:rPr lang="zh-CN" altLang="en-US" sz="2400" dirty="0"/>
+              <a:t> </a:t>
+            </a:r>
+            <a:r>
+              <a:rPr lang="en-US" altLang="zh-CN" sz="2400" dirty="0"/>
+              <a:t>or</a:t>
+            </a:r>
+            <a:r>
+              <a:rPr lang="zh-CN" altLang="en-US" sz="2400" dirty="0"/>
+              <a:t> </a:t>
+            </a:r>
+            <a:r>
+              <a:rPr lang="en-US" altLang="zh-CN" sz="2400" dirty="0"/>
+              <a:t>bugs</a:t>
+            </a:r>
+            <a:r>
+              <a:rPr lang="zh-CN" altLang="en-US" sz="2400" dirty="0"/>
+              <a:t> </a:t>
+            </a:r>
+            <a:r>
+              <a:rPr lang="en-US" altLang="zh-CN" sz="2400" dirty="0"/>
+              <a:t>which</a:t>
+            </a:r>
+            <a:r>
+              <a:rPr lang="zh-CN" altLang="en-US" sz="2400" dirty="0"/>
+              <a:t> </a:t>
+            </a:r>
+            <a:r>
+              <a:rPr lang="en-US" altLang="zh-CN" sz="2400" dirty="0"/>
+              <a:t>can</a:t>
+            </a:r>
+            <a:r>
+              <a:rPr lang="zh-CN" altLang="en-US" sz="2400" dirty="0"/>
+              <a:t> </a:t>
+            </a:r>
+            <a:r>
+              <a:rPr lang="en-US" altLang="zh-CN" sz="2400" dirty="0"/>
+              <a:t>be</a:t>
+            </a:r>
+            <a:r>
+              <a:rPr lang="zh-CN" altLang="en-US" sz="2400" dirty="0"/>
+              <a:t> </a:t>
+            </a:r>
+            <a:r>
+              <a:rPr lang="en-US" altLang="zh-CN" sz="2400" dirty="0"/>
+              <a:t>described</a:t>
+            </a:r>
+            <a:r>
+              <a:rPr lang="zh-CN" altLang="en-US" sz="2400" dirty="0"/>
+              <a:t> </a:t>
+            </a:r>
+            <a:r>
+              <a:rPr lang="en-US" altLang="zh-CN" sz="2400" dirty="0"/>
+              <a:t>using</a:t>
+            </a:r>
+            <a:r>
+              <a:rPr lang="zh-CN" altLang="en-US" sz="2400" dirty="0"/>
+              <a:t> </a:t>
+            </a:r>
+            <a:r>
+              <a:rPr lang="en-US" altLang="zh-CN" sz="2400" dirty="0"/>
+              <a:t>temporal</a:t>
+            </a:r>
+            <a:r>
+              <a:rPr lang="zh-CN" altLang="en-US" sz="2400" dirty="0"/>
+              <a:t> </a:t>
+            </a:r>
+            <a:r>
+              <a:rPr lang="en-US" altLang="zh-CN" sz="2400" dirty="0"/>
+              <a:t>properties.</a:t>
+            </a:r>
+            <a:r>
+              <a:rPr lang="zh-CN" altLang="en-US" sz="2400" dirty="0"/>
+              <a:t> </a:t>
+            </a:r>
+            <a:endParaRPr lang="en-SG" altLang="zh-CN" sz="2400" dirty="0"/>
+          </a:p>
+          <a:p>
+            <a:pPr>
+              <a:lnSpc>
+                <a:spcPct val="150000"/>
+              </a:lnSpc>
+            </a:pPr>
+            <a:r>
+              <a:rPr lang="en-US" altLang="zh-CN" sz="2400" dirty="0"/>
+              <a:t>Difficulties/novelty:</a:t>
+            </a:r>
+            <a:r>
+              <a:rPr lang="zh-CN" altLang="en-US" sz="2400" dirty="0"/>
+              <a:t> </a:t>
+            </a:r>
+            <a:r>
+              <a:rPr lang="en-US" altLang="zh-CN" sz="2400" dirty="0"/>
+              <a:t>constraint</a:t>
+            </a:r>
+            <a:r>
+              <a:rPr lang="zh-CN" altLang="en-US" sz="2400" dirty="0"/>
+              <a:t> </a:t>
+            </a:r>
+            <a:r>
+              <a:rPr lang="en-US" altLang="zh-CN" sz="2400" dirty="0"/>
+              <a:t>generating</a:t>
+            </a:r>
+            <a:r>
+              <a:rPr lang="zh-CN" altLang="en-US" sz="2400" dirty="0"/>
+              <a:t> </a:t>
+            </a:r>
+            <a:r>
+              <a:rPr lang="en-US" altLang="zh-CN" sz="2400" dirty="0"/>
+              <a:t>with</a:t>
+            </a:r>
+            <a:r>
+              <a:rPr lang="zh-CN" altLang="en-US" sz="2400" dirty="0"/>
+              <a:t> </a:t>
+            </a:r>
+            <a:r>
+              <a:rPr lang="en-US" altLang="zh-CN" sz="2400" dirty="0"/>
+              <a:t>rules</a:t>
+            </a:r>
+            <a:r>
+              <a:rPr lang="zh-CN" altLang="en-US" sz="2400" dirty="0"/>
+              <a:t> </a:t>
+            </a:r>
+            <a:r>
+              <a:rPr lang="en-US" altLang="zh-CN" sz="2400" dirty="0"/>
+              <a:t>using</a:t>
+            </a:r>
+            <a:r>
+              <a:rPr lang="zh-CN" altLang="en-US" sz="2400" dirty="0"/>
+              <a:t> </a:t>
+            </a:r>
+            <a:r>
+              <a:rPr lang="en-US" altLang="zh-CN" sz="2400" dirty="0"/>
+              <a:t>negation,</a:t>
+            </a:r>
+            <a:r>
+              <a:rPr lang="zh-CN" altLang="en-US" sz="2400" dirty="0"/>
+              <a:t> </a:t>
+            </a:r>
+            <a:r>
+              <a:rPr lang="en-US" altLang="zh-CN" sz="2400" dirty="0"/>
+              <a:t>and</a:t>
+            </a:r>
+            <a:r>
+              <a:rPr lang="zh-CN" altLang="en-US" sz="2400" dirty="0"/>
+              <a:t> </a:t>
+            </a:r>
+            <a:r>
+              <a:rPr lang="en-US" altLang="zh-CN" sz="2400" dirty="0"/>
+              <a:t>the</a:t>
+            </a:r>
+            <a:r>
+              <a:rPr lang="zh-CN" altLang="en-US" sz="2400" dirty="0"/>
+              <a:t> </a:t>
+            </a:r>
+            <a:r>
+              <a:rPr lang="en-US" altLang="zh-CN" sz="2400" dirty="0"/>
+              <a:t>facts</a:t>
+            </a:r>
+            <a:r>
+              <a:rPr lang="zh-CN" altLang="en-US" sz="2400" dirty="0"/>
+              <a:t> </a:t>
+            </a:r>
+            <a:r>
+              <a:rPr lang="en-US" altLang="zh-CN" sz="2400" dirty="0"/>
+              <a:t>generation</a:t>
+            </a:r>
+            <a:r>
+              <a:rPr lang="zh-CN" altLang="en-US" sz="2400" dirty="0"/>
+              <a:t> </a:t>
+            </a:r>
+            <a:r>
+              <a:rPr lang="en-US" altLang="zh-CN" sz="2400" dirty="0"/>
+              <a:t>for</a:t>
+            </a:r>
+            <a:r>
+              <a:rPr lang="zh-CN" altLang="en-US" sz="2400" dirty="0"/>
+              <a:t> </a:t>
+            </a:r>
+            <a:r>
+              <a:rPr lang="en-US" altLang="zh-CN" sz="2400" dirty="0"/>
+              <a:t>precise</a:t>
+            </a:r>
+            <a:r>
+              <a:rPr lang="zh-CN" altLang="en-US" sz="2400" dirty="0"/>
+              <a:t> </a:t>
+            </a:r>
+            <a:r>
+              <a:rPr lang="en-US" altLang="zh-CN" sz="2400" dirty="0"/>
+              <a:t>and</a:t>
+            </a:r>
+            <a:r>
+              <a:rPr lang="zh-CN" altLang="en-US" sz="2400" dirty="0"/>
+              <a:t> </a:t>
+            </a:r>
+            <a:r>
+              <a:rPr lang="en-US" altLang="zh-CN" sz="2400" dirty="0"/>
+              <a:t>lightweight</a:t>
+            </a:r>
+            <a:r>
+              <a:rPr lang="zh-CN" altLang="en-US" sz="2400" dirty="0"/>
+              <a:t> </a:t>
+            </a:r>
+            <a:r>
+              <a:rPr lang="en-US" altLang="zh-CN" sz="2400" dirty="0"/>
+              <a:t>temporal</a:t>
+            </a:r>
+            <a:r>
+              <a:rPr lang="zh-CN" altLang="en-US" sz="2400" dirty="0"/>
+              <a:t> </a:t>
+            </a:r>
+            <a:r>
+              <a:rPr lang="en-US" altLang="zh-CN" sz="2400" dirty="0"/>
+              <a:t>analysis.</a:t>
+            </a:r>
+            <a:r>
+              <a:rPr lang="zh-CN" altLang="en-US" sz="2400" dirty="0"/>
+              <a:t> </a:t>
+            </a:r>
+            <a:endParaRPr lang="en-SG" altLang="zh-CN" sz="2400" dirty="0"/>
+          </a:p>
+          <a:p>
+            <a:pPr>
+              <a:lnSpc>
+                <a:spcPct val="150000"/>
+              </a:lnSpc>
+            </a:pPr>
+            <a:r>
+              <a:rPr lang="en-US" altLang="zh-CN" sz="2400" dirty="0"/>
+              <a:t>Possible</a:t>
+            </a:r>
+            <a:r>
+              <a:rPr lang="zh-CN" altLang="en-US" sz="2400" dirty="0"/>
+              <a:t> </a:t>
+            </a:r>
+            <a:r>
+              <a:rPr lang="en-US" altLang="zh-CN" sz="2400" dirty="0"/>
+              <a:t>App:</a:t>
+            </a:r>
+            <a:r>
+              <a:rPr lang="zh-CN" altLang="en-US" sz="2400" dirty="0"/>
+              <a:t> </a:t>
+            </a:r>
+            <a:r>
+              <a:rPr lang="en-US" altLang="zh-CN" sz="2400" dirty="0"/>
+              <a:t>user-after-free,</a:t>
+            </a:r>
+            <a:r>
+              <a:rPr lang="zh-CN" altLang="en-US" sz="2400" dirty="0"/>
+              <a:t> </a:t>
+            </a:r>
+            <a:r>
+              <a:rPr lang="en-US" altLang="zh-CN" sz="2400" dirty="0"/>
+              <a:t>memory</a:t>
+            </a:r>
+            <a:r>
+              <a:rPr lang="zh-CN" altLang="en-US" sz="2400" dirty="0"/>
+              <a:t> </a:t>
+            </a:r>
+            <a:r>
+              <a:rPr lang="en-US" altLang="zh-CN" sz="2400" dirty="0"/>
+              <a:t>leak,</a:t>
+            </a:r>
+            <a:r>
+              <a:rPr lang="zh-CN" altLang="en-US" sz="2400" dirty="0"/>
+              <a:t> </a:t>
+            </a:r>
+            <a:r>
+              <a:rPr lang="en-US" altLang="zh-CN" sz="2400" dirty="0"/>
+              <a:t>buffer</a:t>
+            </a:r>
+            <a:r>
+              <a:rPr lang="zh-CN" altLang="en-US" sz="2400" dirty="0"/>
+              <a:t> </a:t>
+            </a:r>
+            <a:r>
+              <a:rPr lang="en-US" altLang="zh-CN" sz="2400" dirty="0"/>
+              <a:t>overflow,</a:t>
+            </a:r>
+            <a:r>
+              <a:rPr lang="zh-CN" altLang="en-US" sz="2400" dirty="0"/>
+              <a:t> </a:t>
+            </a:r>
+            <a:r>
+              <a:rPr lang="en-US" altLang="zh-CN" sz="2400" dirty="0"/>
+              <a:t>data</a:t>
+            </a:r>
+            <a:r>
+              <a:rPr lang="zh-CN" altLang="en-US" sz="2400" dirty="0"/>
+              <a:t> </a:t>
+            </a:r>
+            <a:r>
+              <a:rPr lang="en-US" altLang="zh-CN" sz="2400" dirty="0"/>
+              <a:t>race,</a:t>
+            </a:r>
+            <a:r>
+              <a:rPr lang="zh-CN" altLang="en-US" sz="2400" dirty="0"/>
+              <a:t> </a:t>
+            </a:r>
+            <a:r>
+              <a:rPr lang="en-US" altLang="zh-CN" sz="2400" dirty="0"/>
+              <a:t>protocol</a:t>
+            </a:r>
+            <a:r>
+              <a:rPr lang="zh-CN" altLang="en-US" sz="2400" dirty="0"/>
+              <a:t> </a:t>
+            </a:r>
+            <a:r>
+              <a:rPr lang="en-US" altLang="zh-CN" sz="2400" dirty="0"/>
+              <a:t>propositions.</a:t>
+            </a:r>
+            <a:r>
+              <a:rPr lang="zh-CN" altLang="en-US" sz="2400" dirty="0"/>
+              <a:t> </a:t>
+            </a:r>
+            <a:endParaRPr lang="en-US" altLang="zh-CN" sz="2400" dirty="0"/>
+          </a:p>
+          <a:p>
+            <a:pPr>
+              <a:lnSpc>
+                <a:spcPct val="150000"/>
+              </a:lnSpc>
+            </a:pPr>
+            <a:r>
+              <a:rPr lang="en-US" altLang="zh-CN" sz="2400" dirty="0"/>
+              <a:t>Next</a:t>
+            </a:r>
+            <a:r>
+              <a:rPr lang="zh-CN" altLang="en-US" sz="2400" dirty="0"/>
+              <a:t> </a:t>
+            </a:r>
+            <a:r>
+              <a:rPr lang="en-US" altLang="zh-CN" sz="2400" dirty="0"/>
+              <a:t>step:</a:t>
+            </a:r>
+            <a:r>
+              <a:rPr lang="zh-CN" altLang="en-US" sz="2400" dirty="0"/>
+              <a:t> </a:t>
+            </a:r>
+            <a:r>
+              <a:rPr lang="en-US" altLang="zh-CN" sz="2400" dirty="0"/>
+              <a:t>user-defined</a:t>
+            </a:r>
+            <a:r>
+              <a:rPr lang="zh-CN" altLang="en-US" sz="2400" dirty="0"/>
+              <a:t> </a:t>
+            </a:r>
+            <a:r>
+              <a:rPr lang="en-US" altLang="zh-CN" sz="2400" dirty="0"/>
+              <a:t>fact</a:t>
+            </a:r>
+            <a:r>
+              <a:rPr lang="zh-CN" altLang="en-US" sz="2400" dirty="0"/>
+              <a:t> </a:t>
+            </a:r>
+            <a:r>
+              <a:rPr lang="en-US" altLang="zh-CN" sz="2400" dirty="0"/>
+              <a:t>generation</a:t>
+            </a:r>
+            <a:r>
+              <a:rPr lang="zh-CN" altLang="en-US" sz="2400" dirty="0"/>
+              <a:t> </a:t>
+            </a:r>
+            <a:r>
+              <a:rPr lang="en-US" altLang="zh-CN" sz="2400" dirty="0"/>
+              <a:t>schema,</a:t>
+            </a:r>
+            <a:r>
+              <a:rPr lang="zh-CN" altLang="en-US" sz="2400" dirty="0"/>
+              <a:t> </a:t>
+            </a:r>
+            <a:r>
+              <a:rPr lang="en-US" altLang="zh-CN" sz="2400" dirty="0"/>
+              <a:t>and</a:t>
+            </a:r>
+            <a:r>
+              <a:rPr lang="zh-CN" altLang="en-US" sz="2400" dirty="0"/>
+              <a:t> </a:t>
+            </a:r>
+            <a:r>
+              <a:rPr lang="en-US" altLang="zh-CN" sz="2400" dirty="0"/>
+              <a:t>the</a:t>
+            </a:r>
+            <a:r>
+              <a:rPr lang="zh-CN" altLang="en-US" sz="2400" dirty="0"/>
+              <a:t> </a:t>
+            </a:r>
+            <a:r>
+              <a:rPr lang="en-US" altLang="zh-CN" sz="2400" dirty="0"/>
+              <a:t>rules</a:t>
+            </a:r>
+            <a:r>
+              <a:rPr lang="zh-CN" altLang="en-US" sz="2400" dirty="0"/>
+              <a:t> </a:t>
+            </a:r>
+            <a:r>
+              <a:rPr lang="en-US" altLang="zh-CN" sz="2400" dirty="0"/>
+              <a:t>for</a:t>
+            </a:r>
+            <a:r>
+              <a:rPr lang="zh-CN" altLang="en-US" sz="2400" dirty="0"/>
+              <a:t> </a:t>
+            </a:r>
+            <a:r>
+              <a:rPr lang="en-US" altLang="zh-CN" sz="2400" dirty="0"/>
+              <a:t>detecting</a:t>
+            </a:r>
+            <a:r>
+              <a:rPr lang="zh-CN" altLang="en-US" sz="2400" dirty="0"/>
+              <a:t> </a:t>
+            </a:r>
+            <a:r>
+              <a:rPr lang="en-US" altLang="zh-CN" sz="2400" dirty="0"/>
+              <a:t>bugs.</a:t>
+            </a:r>
+            <a:r>
+              <a:rPr lang="zh-CN" altLang="en-US" sz="2400" dirty="0"/>
+              <a:t> </a:t>
+            </a:r>
+            <a:endParaRPr lang="en-US" altLang="zh-CN" sz="2400" dirty="0"/>
+          </a:p>
+        </p:txBody>
+      </p:sp>
+    </p:spTree>
+    <p:extLst>
+      <p:ext uri="{BB962C8B-B14F-4D97-AF65-F5344CB8AC3E}">
+        <p14:creationId xmlns:p14="http://schemas.microsoft.com/office/powerpoint/2010/main" val="4106276441"/>
       </p:ext>
     </p:extLst>
   </p:cSld>

--- a/datalog.pptx
+++ b/datalog.pptx
@@ -5795,7 +5795,7 @@
             <a:pPr marL="0" indent="0">
               <a:buNone/>
             </a:pPr>
-            <a:endParaRPr lang="en-SG" sz="2400">
+            <a:endParaRPr lang="en-SG" sz="2400" dirty="0">
               <a:latin typeface="euclid_circular_a"/>
             </a:endParaRPr>
           </a:p>
